--- a/2.NPM的介绍.pptx
+++ b/2.NPM的介绍.pptx
@@ -580,8 +580,104 @@
             </a:endParaRPr>
           </a:p>
           <a:p>
+            <a:r>
+              <a:rPr lang="zh-CN" altLang="en-US" dirty="0">
+                <a:ea typeface="宋体" panose="02010600030101010101" pitchFamily="2" charset="-122"/>
+                <a:sym typeface="+mn-ea"/>
+              </a:rPr>
+              <a:t>问题：</a:t>
+            </a:r>
             <a:endParaRPr lang="zh-CN" altLang="en-US" dirty="0">
               <a:ea typeface="宋体" panose="02010600030101010101" pitchFamily="2" charset="-122"/>
+              <a:sym typeface="+mn-ea"/>
+            </a:endParaRPr>
+          </a:p>
+          <a:p>
+            <a:r>
+              <a:rPr lang="zh-CN" altLang="en-US" dirty="0">
+                <a:ea typeface="宋体" panose="02010600030101010101" pitchFamily="2" charset="-122"/>
+                <a:sym typeface="+mn-ea"/>
+              </a:rPr>
+              <a:t>当我们开发这个库的时候，</a:t>
+            </a:r>
+            <a:endParaRPr lang="zh-CN" altLang="en-US" dirty="0">
+              <a:ea typeface="宋体" panose="02010600030101010101" pitchFamily="2" charset="-122"/>
+              <a:sym typeface="+mn-ea"/>
+            </a:endParaRPr>
+          </a:p>
+          <a:p>
+            <a:r>
+              <a:rPr lang="en-US" altLang="zh-CN" dirty="0">
+                <a:ea typeface="宋体" panose="02010600030101010101" pitchFamily="2" charset="-122"/>
+                <a:sym typeface="+mn-ea"/>
+              </a:rPr>
+              <a:t>eChart</a:t>
+            </a:r>
+            <a:r>
+              <a:rPr lang="zh-CN" altLang="en-US" dirty="0">
+                <a:ea typeface="宋体" panose="02010600030101010101" pitchFamily="2" charset="-122"/>
+                <a:sym typeface="+mn-ea"/>
+              </a:rPr>
+              <a:t>究竟要不要写在</a:t>
+            </a:r>
+            <a:r>
+              <a:rPr lang="en-US" altLang="zh-CN" dirty="0">
+                <a:sym typeface="+mn-ea"/>
+              </a:rPr>
+              <a:t>d</a:t>
+            </a:r>
+            <a:r>
+              <a:rPr lang="zh-CN" altLang="en-US" dirty="0">
+                <a:sym typeface="+mn-ea"/>
+              </a:rPr>
+              <a:t>ependencies或</a:t>
+            </a:r>
+            <a:r>
+              <a:rPr lang="en-US" altLang="zh-CN" dirty="0">
+                <a:sym typeface="+mn-ea"/>
+              </a:rPr>
+              <a:t>devD</a:t>
+            </a:r>
+            <a:r>
+              <a:rPr lang="zh-CN" altLang="en-US" dirty="0">
+                <a:sym typeface="+mn-ea"/>
+              </a:rPr>
+              <a:t>ependencies里面？</a:t>
+            </a:r>
+            <a:endParaRPr lang="zh-CN" altLang="en-US" dirty="0">
+              <a:sym typeface="+mn-ea"/>
+            </a:endParaRPr>
+          </a:p>
+          <a:p>
+            <a:r>
+              <a:rPr lang="zh-CN" altLang="en-US" dirty="0">
+                <a:sym typeface="+mn-ea"/>
+              </a:rPr>
+              <a:t>要的话是写在哪一个里面？</a:t>
+            </a:r>
+            <a:endParaRPr lang="zh-CN" altLang="en-US" dirty="0">
+              <a:sym typeface="+mn-ea"/>
+            </a:endParaRPr>
+          </a:p>
+          <a:p>
+            <a:endParaRPr lang="zh-CN" altLang="en-US" dirty="0">
+              <a:sym typeface="+mn-ea"/>
+            </a:endParaRPr>
+          </a:p>
+          <a:p>
+            <a:r>
+              <a:rPr lang="en-US" altLang="zh-CN" dirty="0">
+                <a:sym typeface="+mn-ea"/>
+              </a:rPr>
+              <a:t>devD</a:t>
+            </a:r>
+            <a:r>
+              <a:rPr lang="zh-CN" altLang="en-US" dirty="0">
+                <a:sym typeface="+mn-ea"/>
+              </a:rPr>
+              <a:t>ependencies</a:t>
+            </a:r>
+            <a:endParaRPr lang="zh-CN" altLang="en-US" dirty="0">
               <a:sym typeface="+mn-ea"/>
             </a:endParaRPr>
           </a:p>
